--- a/doc/rdfe-xmlprague-2019-presentation.pptx
+++ b/doc/rdfe-xmlprague-2019-presentation.pptx
@@ -3754,17 +3754,6 @@
               </a:rPr>
               <a:t>At this moment, the main issue is performance. The processing of larger amounts of input data can be very slow. But these problems are not of a fundamental kind – they are caused by a rather naive implementation. The ideal would be RDFe support built into XQuery processors.</a:t>
             </a:r>
-            <a:br>
-              <a:rPr lang="en-US" sz="1200" kern="1200" smtClean="0">
-                <a:solidFill>
-                  <a:schemeClr val="tx1"/>
-                </a:solidFill>
-                <a:effectLst/>
-                <a:latin typeface="Arial" panose="020B0604020202020204" pitchFamily="34" charset="0"/>
-                <a:ea typeface="+mn-ea"/>
-                <a:cs typeface="+mn-cs"/>
-              </a:rPr>
-            </a:br>
             <a:endParaRPr lang="de-DE" sz="1200" kern="1200" smtClean="0">
               <a:solidFill>
                 <a:schemeClr val="tx1"/>
@@ -3902,34 +3891,6 @@
               <a:cs typeface="+mn-cs"/>
             </a:endParaRPr>
           </a:p>
-          <a:p>
-            <a:pPr marL="0" marR="0" lvl="0" indent="0" algn="l" defTabSz="914400" rtl="0" eaLnBrk="0" fontAlgn="base" latinLnBrk="0" hangingPunct="0">
-              <a:lnSpc>
-                <a:spcPct val="100000"/>
-              </a:lnSpc>
-              <a:spcBef>
-                <a:spcPct val="30000"/>
-              </a:spcBef>
-              <a:spcAft>
-                <a:spcPct val="0"/>
-              </a:spcAft>
-              <a:buClrTx/>
-              <a:buSzTx/>
-              <a:buFontTx/>
-              <a:buNone/>
-              <a:tabLst/>
-              <a:defRPr/>
-            </a:pPr>
-            <a:endParaRPr lang="de-DE" sz="1200" kern="1200" smtClean="0">
-              <a:solidFill>
-                <a:schemeClr val="tx1"/>
-              </a:solidFill>
-              <a:effectLst/>
-              <a:latin typeface="Arial" panose="020B0604020202020204" pitchFamily="34" charset="0"/>
-              <a:ea typeface="+mn-ea"/>
-              <a:cs typeface="+mn-cs"/>
-            </a:endParaRPr>
-          </a:p>
         </p:txBody>
       </p:sp>
       <p:sp>
@@ -4045,7 +4006,7 @@
                 <a:ea typeface="+mn-ea"/>
                 <a:cs typeface="+mn-cs"/>
               </a:rPr>
-              <a:t>And that’s not the end.</a:t>
+              <a:t>And that’s the end of this presentation, isn’t it.</a:t>
             </a:r>
             <a:endParaRPr lang="de-DE" sz="1200" kern="1200" smtClean="0">
               <a:solidFill>
@@ -4175,36 +4136,8 @@
                 <a:ea typeface="+mn-ea"/>
                 <a:cs typeface="+mn-cs"/>
               </a:rPr>
-              <a:t>No! Here, the element decribing a painting is an ancestor of the element describing the painter. And yet this document is as easy to understand as the previous one. We grasp the perspective conveyed by the document. The perspective is encoded by hierarchy. If the focus is on painters, their paintings are details described by descendant elements. If the focus is on paintings, their creators are details described by descendants of the element describing the painting. Hierarchy reduces complexity, but it introduces an arbitrary choice of focus. The choice streamlines a particular communication, but it is ephemeral. Tree-structure is optimal for messages, but perhaps not for storage of information to be reused in unforseeable ways. </a:t>
-            </a:r>
-            <a:endParaRPr lang="de-DE" sz="1200" kern="1200" smtClean="0">
-              <a:solidFill>
-                <a:schemeClr val="tx1"/>
-              </a:solidFill>
-              <a:effectLst/>
-              <a:latin typeface="Arial" panose="020B0604020202020204" pitchFamily="34" charset="0"/>
-              <a:ea typeface="+mn-ea"/>
-              <a:cs typeface="+mn-cs"/>
-            </a:endParaRPr>
-          </a:p>
-          <a:p>
-            <a:pPr marL="0" marR="0" lvl="0" indent="0" algn="l" defTabSz="914400" rtl="0" eaLnBrk="0" fontAlgn="base" latinLnBrk="0" hangingPunct="0">
-              <a:lnSpc>
-                <a:spcPct val="100000"/>
-              </a:lnSpc>
-              <a:spcBef>
-                <a:spcPct val="30000"/>
-              </a:spcBef>
-              <a:spcAft>
-                <a:spcPct val="0"/>
-              </a:spcAft>
-              <a:buClrTx/>
-              <a:buSzTx/>
-              <a:buFontTx/>
-              <a:buNone/>
-              <a:tabLst/>
-              <a:defRPr/>
-            </a:pPr>
+              <a:t>No! Counter example - here, the element decribing a painting is an ancestor of the element describing the painter. And yet this document is as easy to understand as the previous one. We grasp the perspective conveyed by the document. The perspective is encoded by hierarchy. If the focus is on painters, their paintings are details described by descendant elements. If the focus is on paintings, their creators are details described by descendants of the element describing the painting. Hierarchy reduces complexity, but it introduces an arbitrary choice of focus. The choice streamlines a particular communication, but it is ephemeral. Tree-structure is optimal for messages, but perhaps not for storage of information to be reused in unforseeable ways, in an unforeseeable context. </a:t>
+            </a:r>
             <a:endParaRPr lang="de-DE" sz="1200" kern="1200" smtClean="0">
               <a:solidFill>
                 <a:schemeClr val="tx1"/>
@@ -4713,8 +4646,6 @@
               </a:rPr>
               <a:t>First: let us align *RDF resources* with individual XML nodes, accepted as their representation. Call these XML nodes *resource nodes*.  They serve as a point of departure when navigating to other XML nodes giving us the property values of that resource. Call those XML nodes *value nodes*. When the property value is itself a resource, the value node is the resource node of another resource. When the property value is literal (e.g. a string), the value nodes can somehow be mapped to the property values. Keep in mind that a literal property value is not necessarily represented by a single XML node. It may be a substring of element content, or a concatenation of various element contents. But we assume for each property an *expression* which navigates from the resource node to the value nodes and maps them to the property values. Call these expressions *value expressions*.</a:t>
             </a:r>
-          </a:p>
-          <a:p>
             <a:endParaRPr lang="de-DE" sz="1200" kern="1200" smtClean="0">
               <a:solidFill>
                 <a:schemeClr val="tx1"/>
@@ -4726,6 +4657,17 @@
             </a:endParaRPr>
           </a:p>
           <a:p>
+            <a:endParaRPr lang="en-US" sz="1200" kern="1200" smtClean="0">
+              <a:solidFill>
+                <a:schemeClr val="tx1"/>
+              </a:solidFill>
+              <a:effectLst/>
+              <a:latin typeface="Arial" panose="020B0604020202020204" pitchFamily="34" charset="0"/>
+              <a:ea typeface="+mn-ea"/>
+              <a:cs typeface="+mn-cs"/>
+            </a:endParaRPr>
+          </a:p>
+          <a:p>
             <a:r>
               <a:rPr lang="en-US" sz="1200" kern="1200" smtClean="0">
                 <a:solidFill>
@@ -4736,7 +4678,7 @@
                 <a:ea typeface="+mn-ea"/>
                 <a:cs typeface="+mn-cs"/>
               </a:rPr>
-              <a:t>RDF resources are identified by an IRI, so resource nodes must be mapped to an IRIs. Sometimes the IRI can be constructed from XML node contents. At other times we must resort to external data sources, enabling a lookup, given some XML values. But in any case, our vehicle is an expression which is evaluated in the context of the resource node and yields the resource IRI. Call this expression the *IRI expression*.</a:t>
+              <a:t>RDF resources are identified by an IRI, so resource nodes must be mapped to IRIs. Sometimes the IRI can be constructed from XML node contents. At other times we must resort to external data sources, enabling a lookup, given some XML values. But in any case, our vehicle is an expression which is evaluated in the context of the resource node and yields the resource IRI. Call this expression the *IRI expression*.</a:t>
             </a:r>
             <a:endParaRPr lang="de-DE" sz="1200" kern="1200" smtClean="0">
               <a:solidFill>
